--- a/Week4-Data-Import-and-Transformation/Week 4-Data Transformation.pptx
+++ b/Week4-Data-Import-and-Transformation/Week 4-Data Transformation.pptx
@@ -257,7 +257,7 @@
           </a:bodyPr>
           <a:p>
             <a:pPr algn="r"/>
-            <a:fld id="{B99A7670-AF35-47C3-96F6-8F7CB0014632}" type="slidenum">
+            <a:fld id="{80180C94-0CDD-456A-9608-05303A7A3658}" type="slidenum">
               <a:rPr b="0" lang="en-MY" sz="1400" spc="-1" strike="noStrike">
                 <a:latin typeface="Times New Roman"/>
               </a:rPr>
@@ -305,7 +305,7 @@
         <p:spPr>
           <a:xfrm>
             <a:off x="381240" y="685800"/>
-            <a:ext cx="6094800" cy="3427920"/>
+            <a:ext cx="6094440" cy="3427560"/>
           </a:xfrm>
           <a:prstGeom prst="rect">
             <a:avLst/>
@@ -325,7 +325,7 @@
         <p:spPr>
           <a:xfrm>
             <a:off x="685800" y="4343400"/>
-            <a:ext cx="5485320" cy="4113720"/>
+            <a:ext cx="5484960" cy="4113360"/>
           </a:xfrm>
           <a:prstGeom prst="rect">
             <a:avLst/>
@@ -336,7 +336,7 @@
             <a:noAutofit/>
           </a:bodyPr>
           <a:p>
-            <a:pPr marL="216000" indent="-215640">
+            <a:pPr marL="216000" indent="-215280">
               <a:lnSpc>
                 <a:spcPct val="100000"/>
               </a:lnSpc>
@@ -391,7 +391,7 @@
         <p:spPr>
           <a:xfrm>
             <a:off x="381240" y="685800"/>
-            <a:ext cx="6094800" cy="3427920"/>
+            <a:ext cx="6094440" cy="3427560"/>
           </a:xfrm>
           <a:prstGeom prst="rect">
             <a:avLst/>
@@ -411,7 +411,7 @@
         <p:spPr>
           <a:xfrm>
             <a:off x="685800" y="4343400"/>
-            <a:ext cx="5485320" cy="4113720"/>
+            <a:ext cx="5484960" cy="4113360"/>
           </a:xfrm>
           <a:prstGeom prst="rect">
             <a:avLst/>
@@ -422,7 +422,7 @@
             <a:noAutofit/>
           </a:bodyPr>
           <a:p>
-            <a:pPr marL="216000" indent="-215640">
+            <a:pPr marL="216000" indent="-215280">
               <a:lnSpc>
                 <a:spcPct val="100000"/>
               </a:lnSpc>
@@ -477,7 +477,7 @@
         <p:spPr>
           <a:xfrm>
             <a:off x="381240" y="685800"/>
-            <a:ext cx="6094800" cy="3427920"/>
+            <a:ext cx="6094440" cy="3427560"/>
           </a:xfrm>
           <a:prstGeom prst="rect">
             <a:avLst/>
@@ -497,7 +497,7 @@
         <p:spPr>
           <a:xfrm>
             <a:off x="685800" y="4343400"/>
-            <a:ext cx="5485320" cy="4113720"/>
+            <a:ext cx="5484960" cy="4113360"/>
           </a:xfrm>
           <a:prstGeom prst="rect">
             <a:avLst/>
@@ -508,7 +508,7 @@
             <a:noAutofit/>
           </a:bodyPr>
           <a:p>
-            <a:pPr marL="216000" indent="-215640">
+            <a:pPr marL="216000" indent="-215280">
               <a:lnSpc>
                 <a:spcPct val="100000"/>
               </a:lnSpc>
@@ -563,7 +563,7 @@
         <p:spPr>
           <a:xfrm>
             <a:off x="381240" y="685800"/>
-            <a:ext cx="6094800" cy="3427920"/>
+            <a:ext cx="6094440" cy="3427560"/>
           </a:xfrm>
           <a:prstGeom prst="rect">
             <a:avLst/>
@@ -583,7 +583,7 @@
         <p:spPr>
           <a:xfrm>
             <a:off x="685800" y="4343400"/>
-            <a:ext cx="5485320" cy="4113720"/>
+            <a:ext cx="5484960" cy="4113360"/>
           </a:xfrm>
           <a:prstGeom prst="rect">
             <a:avLst/>
@@ -594,7 +594,7 @@
             <a:noAutofit/>
           </a:bodyPr>
           <a:p>
-            <a:pPr marL="216000" indent="-215640">
+            <a:pPr marL="216000" indent="-215280">
               <a:lnSpc>
                 <a:spcPct val="100000"/>
               </a:lnSpc>
@@ -649,7 +649,7 @@
         <p:spPr>
           <a:xfrm>
             <a:off x="381240" y="685800"/>
-            <a:ext cx="6094800" cy="3427920"/>
+            <a:ext cx="6094440" cy="3427560"/>
           </a:xfrm>
           <a:prstGeom prst="rect">
             <a:avLst/>
@@ -669,7 +669,7 @@
         <p:spPr>
           <a:xfrm>
             <a:off x="685800" y="4343400"/>
-            <a:ext cx="5485320" cy="4113720"/>
+            <a:ext cx="5484960" cy="4113360"/>
           </a:xfrm>
           <a:prstGeom prst="rect">
             <a:avLst/>
@@ -680,7 +680,7 @@
             <a:noAutofit/>
           </a:bodyPr>
           <a:p>
-            <a:pPr marL="216000" indent="-215640">
+            <a:pPr marL="216000" indent="-215280">
               <a:lnSpc>
                 <a:spcPct val="100000"/>
               </a:lnSpc>
@@ -735,7 +735,7 @@
         <p:spPr>
           <a:xfrm>
             <a:off x="381240" y="685800"/>
-            <a:ext cx="6094800" cy="3427920"/>
+            <a:ext cx="6094440" cy="3427560"/>
           </a:xfrm>
           <a:prstGeom prst="rect">
             <a:avLst/>
@@ -755,7 +755,7 @@
         <p:spPr>
           <a:xfrm>
             <a:off x="685800" y="4343400"/>
-            <a:ext cx="5485320" cy="4113720"/>
+            <a:ext cx="5484960" cy="4113360"/>
           </a:xfrm>
           <a:prstGeom prst="rect">
             <a:avLst/>
@@ -766,7 +766,7 @@
             <a:noAutofit/>
           </a:bodyPr>
           <a:p>
-            <a:pPr marL="216000" indent="-215640">
+            <a:pPr marL="216000" indent="-215280">
               <a:lnSpc>
                 <a:spcPct val="100000"/>
               </a:lnSpc>
@@ -821,7 +821,7 @@
         <p:spPr>
           <a:xfrm>
             <a:off x="381240" y="685800"/>
-            <a:ext cx="6094800" cy="3427920"/>
+            <a:ext cx="6094440" cy="3427560"/>
           </a:xfrm>
           <a:prstGeom prst="rect">
             <a:avLst/>
@@ -841,7 +841,7 @@
         <p:spPr>
           <a:xfrm>
             <a:off x="685800" y="4343400"/>
-            <a:ext cx="5485320" cy="4113720"/>
+            <a:ext cx="5484960" cy="4113360"/>
           </a:xfrm>
           <a:prstGeom prst="rect">
             <a:avLst/>
@@ -852,7 +852,7 @@
             <a:noAutofit/>
           </a:bodyPr>
           <a:p>
-            <a:pPr marL="216000" indent="-215640">
+            <a:pPr marL="216000" indent="-215280">
               <a:lnSpc>
                 <a:spcPct val="100000"/>
               </a:lnSpc>
@@ -6334,7 +6334,7 @@
         <p:spPr>
           <a:xfrm>
             <a:off x="1524960" y="672480"/>
-            <a:ext cx="1080720" cy="1123920"/>
+            <a:ext cx="1080360" cy="1123560"/>
           </a:xfrm>
           <a:custGeom>
             <a:avLst/>
@@ -6378,8 +6378,8 @@
         </p:nvSpPr>
         <p:spPr>
           <a:xfrm rot="10800000">
-            <a:off x="6538320" y="3344040"/>
-            <a:ext cx="1080720" cy="1123920"/>
+            <a:off x="6538680" y="3344400"/>
+            <a:ext cx="1080360" cy="1123560"/>
           </a:xfrm>
           <a:custGeom>
             <a:avLst/>
@@ -6424,7 +6424,7 @@
         <p:spPr>
           <a:xfrm>
             <a:off x="4359600" y="2817360"/>
-            <a:ext cx="423720" cy="360"/>
+            <a:ext cx="423360" cy="360"/>
           </a:xfrm>
           <a:custGeom>
             <a:avLst/>
@@ -6469,8 +6469,8 @@
         </p:nvSpPr>
         <p:spPr>
           <a:xfrm>
-            <a:off x="388080" y="457920"/>
-            <a:ext cx="8367120" cy="685080"/>
+            <a:off x="457200" y="205200"/>
+            <a:ext cx="8229240" cy="858600"/>
           </a:xfrm>
           <a:prstGeom prst="rect">
             <a:avLst/>
@@ -6481,13 +6481,14 @@
             <a:noAutofit/>
           </a:bodyPr>
           <a:p>
-            <a:r>
-              <a:rPr b="0" lang="en-MY" sz="1800" spc="-1" strike="noStrike">
+            <a:pPr algn="ctr"/>
+            <a:r>
+              <a:rPr b="0" lang="en-MY" sz="4400" spc="-1" strike="noStrike">
                 <a:latin typeface="Arial"/>
               </a:rPr>
               <a:t>Click to edit the title text format</a:t>
             </a:r>
-            <a:endParaRPr b="0" lang="en-MY" sz="1800" spc="-1" strike="noStrike">
+            <a:endParaRPr b="0" lang="en-MY" sz="4400" spc="-1" strike="noStrike">
               <a:latin typeface="Arial"/>
             </a:endParaRPr>
           </a:p>
@@ -6505,8 +6506,8 @@
         </p:nvSpPr>
         <p:spPr>
           <a:xfrm>
-            <a:off x="388080" y="1489680"/>
-            <a:ext cx="8367120" cy="3078000"/>
+            <a:off x="457200" y="1203480"/>
+            <a:ext cx="8229240" cy="2982960"/>
           </a:xfrm>
           <a:prstGeom prst="rect">
             <a:avLst/>
@@ -6529,12 +6530,12 @@
               <a:buChar char=""/>
             </a:pPr>
             <a:r>
-              <a:rPr b="0" lang="en-MY" sz="1800" spc="-1" strike="noStrike">
+              <a:rPr b="0" lang="en-MY" sz="3200" spc="-1" strike="noStrike">
                 <a:latin typeface="Arial"/>
               </a:rPr>
               <a:t>Click to edit the outline text format</a:t>
             </a:r>
-            <a:endParaRPr b="0" lang="en-MY" sz="1800" spc="-1" strike="noStrike">
+            <a:endParaRPr b="0" lang="en-MY" sz="3200" spc="-1" strike="noStrike">
               <a:latin typeface="Arial"/>
             </a:endParaRPr>
           </a:p>
@@ -6551,12 +6552,12 @@
               <a:buChar char=""/>
             </a:pPr>
             <a:r>
-              <a:rPr b="0" lang="en-MY" sz="1800" spc="-1" strike="noStrike">
+              <a:rPr b="0" lang="en-MY" sz="2800" spc="-1" strike="noStrike">
                 <a:latin typeface="Arial"/>
               </a:rPr>
               <a:t>Second Outline Level</a:t>
             </a:r>
-            <a:endParaRPr b="0" lang="en-MY" sz="1800" spc="-1" strike="noStrike">
+            <a:endParaRPr b="0" lang="en-MY" sz="2800" spc="-1" strike="noStrike">
               <a:latin typeface="Arial"/>
             </a:endParaRPr>
           </a:p>
@@ -6573,12 +6574,12 @@
               <a:buChar char=""/>
             </a:pPr>
             <a:r>
-              <a:rPr b="0" lang="en-MY" sz="1800" spc="-1" strike="noStrike">
+              <a:rPr b="0" lang="en-MY" sz="2400" spc="-1" strike="noStrike">
                 <a:latin typeface="Arial"/>
               </a:rPr>
               <a:t>Third Outline Level</a:t>
             </a:r>
-            <a:endParaRPr b="0" lang="en-MY" sz="1800" spc="-1" strike="noStrike">
+            <a:endParaRPr b="0" lang="en-MY" sz="2400" spc="-1" strike="noStrike">
               <a:latin typeface="Arial"/>
             </a:endParaRPr>
           </a:p>
@@ -6595,12 +6596,12 @@
               <a:buChar char=""/>
             </a:pPr>
             <a:r>
-              <a:rPr b="0" lang="en-MY" sz="1800" spc="-1" strike="noStrike">
+              <a:rPr b="0" lang="en-MY" sz="2000" spc="-1" strike="noStrike">
                 <a:latin typeface="Arial"/>
               </a:rPr>
               <a:t>Fourth Outline Level</a:t>
             </a:r>
-            <a:endParaRPr b="0" lang="en-MY" sz="1800" spc="-1" strike="noStrike">
+            <a:endParaRPr b="0" lang="en-MY" sz="2000" spc="-1" strike="noStrike">
               <a:latin typeface="Arial"/>
             </a:endParaRPr>
           </a:p>
@@ -6617,12 +6618,12 @@
               <a:buChar char=""/>
             </a:pPr>
             <a:r>
-              <a:rPr b="0" lang="en-MY" sz="1800" spc="-1" strike="noStrike">
+              <a:rPr b="0" lang="en-MY" sz="2000" spc="-1" strike="noStrike">
                 <a:latin typeface="Arial"/>
               </a:rPr>
               <a:t>Fifth Outline Level</a:t>
             </a:r>
-            <a:endParaRPr b="0" lang="en-MY" sz="1800" spc="-1" strike="noStrike">
+            <a:endParaRPr b="0" lang="en-MY" sz="2000" spc="-1" strike="noStrike">
               <a:latin typeface="Arial"/>
             </a:endParaRPr>
           </a:p>
@@ -6639,12 +6640,12 @@
               <a:buChar char=""/>
             </a:pPr>
             <a:r>
-              <a:rPr b="0" lang="en-MY" sz="1800" spc="-1" strike="noStrike">
+              <a:rPr b="0" lang="en-MY" sz="2000" spc="-1" strike="noStrike">
                 <a:latin typeface="Arial"/>
               </a:rPr>
               <a:t>Sixth Outline Level</a:t>
             </a:r>
-            <a:endParaRPr b="0" lang="en-MY" sz="1800" spc="-1" strike="noStrike">
+            <a:endParaRPr b="0" lang="en-MY" sz="2000" spc="-1" strike="noStrike">
               <a:latin typeface="Arial"/>
             </a:endParaRPr>
           </a:p>
@@ -6661,12 +6662,12 @@
               <a:buChar char=""/>
             </a:pPr>
             <a:r>
-              <a:rPr b="0" lang="en-MY" sz="1800" spc="-1" strike="noStrike">
+              <a:rPr b="0" lang="en-MY" sz="2000" spc="-1" strike="noStrike">
                 <a:latin typeface="Arial"/>
               </a:rPr>
               <a:t>Seventh Outline Level</a:t>
             </a:r>
-            <a:endParaRPr b="0" lang="en-MY" sz="1800" spc="-1" strike="noStrike">
+            <a:endParaRPr b="0" lang="en-MY" sz="2000" spc="-1" strike="noStrike">
               <a:latin typeface="Arial"/>
             </a:endParaRPr>
           </a:p>
@@ -6725,7 +6726,7 @@
         <p:spPr>
           <a:xfrm>
             <a:off x="492480" y="1260360"/>
-            <a:ext cx="423720" cy="360"/>
+            <a:ext cx="423360" cy="360"/>
           </a:xfrm>
           <a:custGeom>
             <a:avLst/>
@@ -7027,7 +7028,7 @@
         <p:spPr>
           <a:xfrm>
             <a:off x="492480" y="1260360"/>
-            <a:ext cx="423720" cy="360"/>
+            <a:ext cx="423360" cy="360"/>
           </a:xfrm>
           <a:custGeom>
             <a:avLst/>
@@ -7329,7 +7330,7 @@
         <p:spPr>
           <a:xfrm>
             <a:off x="492480" y="1260360"/>
-            <a:ext cx="423720" cy="360"/>
+            <a:ext cx="423360" cy="360"/>
           </a:xfrm>
           <a:custGeom>
             <a:avLst/>
@@ -7624,7 +7625,7 @@
         <p:spPr>
           <a:xfrm>
             <a:off x="1680480" y="1189080"/>
-            <a:ext cx="5782320" cy="1456200"/>
+            <a:ext cx="5781960" cy="1455840"/>
           </a:xfrm>
           <a:prstGeom prst="rect">
             <a:avLst/>
@@ -7678,7 +7679,7 @@
         <p:spPr>
           <a:xfrm>
             <a:off x="1680480" y="3049560"/>
-            <a:ext cx="5782320" cy="907920"/>
+            <a:ext cx="5781960" cy="907560"/>
           </a:xfrm>
           <a:prstGeom prst="rect">
             <a:avLst/>
@@ -7762,7 +7763,7 @@
         <p:spPr>
           <a:xfrm>
             <a:off x="388080" y="457920"/>
-            <a:ext cx="8367120" cy="685080"/>
+            <a:ext cx="8366760" cy="684720"/>
           </a:xfrm>
           <a:prstGeom prst="rect">
             <a:avLst/>
@@ -7816,7 +7817,7 @@
         <p:spPr>
           <a:xfrm>
             <a:off x="388080" y="1489680"/>
-            <a:ext cx="8367120" cy="3078000"/>
+            <a:ext cx="8366760" cy="3077640"/>
           </a:xfrm>
           <a:prstGeom prst="rect">
             <a:avLst/>
@@ -7846,7 +7847,7 @@
         <p:spPr>
           <a:xfrm>
             <a:off x="0" y="1586520"/>
-            <a:ext cx="9142920" cy="3342960"/>
+            <a:ext cx="9142560" cy="3342600"/>
           </a:xfrm>
           <a:prstGeom prst="rect">
             <a:avLst/>
@@ -7895,7 +7896,7 @@
         <p:spPr>
           <a:xfrm>
             <a:off x="388080" y="457920"/>
-            <a:ext cx="8367120" cy="685080"/>
+            <a:ext cx="8366760" cy="684720"/>
           </a:xfrm>
           <a:prstGeom prst="rect">
             <a:avLst/>
@@ -7949,7 +7950,7 @@
         <p:spPr>
           <a:xfrm>
             <a:off x="388080" y="1489680"/>
-            <a:ext cx="8367120" cy="3078000"/>
+            <a:ext cx="8366760" cy="3077640"/>
           </a:xfrm>
           <a:prstGeom prst="rect">
             <a:avLst/>
@@ -8146,7 +8147,7 @@
         <p:spPr>
           <a:xfrm>
             <a:off x="388080" y="457920"/>
-            <a:ext cx="8367120" cy="685080"/>
+            <a:ext cx="8366760" cy="684720"/>
           </a:xfrm>
           <a:prstGeom prst="rect">
             <a:avLst/>
@@ -8200,7 +8201,7 @@
         <p:spPr>
           <a:xfrm>
             <a:off x="388080" y="1489680"/>
-            <a:ext cx="8367120" cy="3078000"/>
+            <a:ext cx="8366760" cy="3077640"/>
           </a:xfrm>
           <a:prstGeom prst="rect">
             <a:avLst/>
@@ -8264,7 +8265,7 @@
             </a:endParaRPr>
           </a:p>
           <a:p>
-            <a:pPr marL="457200" indent="-342000">
+            <a:pPr marL="457200" indent="-341640">
               <a:lnSpc>
                 <a:spcPct val="115000"/>
               </a:lnSpc>
@@ -8295,7 +8296,7 @@
             </a:endParaRPr>
           </a:p>
           <a:p>
-            <a:pPr marL="457200" indent="-342000">
+            <a:pPr marL="457200" indent="-341640">
               <a:lnSpc>
                 <a:spcPct val="115000"/>
               </a:lnSpc>
@@ -8323,7 +8324,7 @@
             </a:endParaRPr>
           </a:p>
           <a:p>
-            <a:pPr marL="457200" indent="-342000">
+            <a:pPr marL="457200" indent="-341640">
               <a:lnSpc>
                 <a:spcPct val="115000"/>
               </a:lnSpc>
@@ -8351,7 +8352,7 @@
             </a:endParaRPr>
           </a:p>
           <a:p>
-            <a:pPr marL="457200" indent="-342000">
+            <a:pPr marL="457200" indent="-341640">
               <a:lnSpc>
                 <a:spcPct val="115000"/>
               </a:lnSpc>
@@ -8438,7 +8439,7 @@
         <p:spPr>
           <a:xfrm>
             <a:off x="388080" y="457920"/>
-            <a:ext cx="8367120" cy="685080"/>
+            <a:ext cx="8366760" cy="684720"/>
           </a:xfrm>
           <a:prstGeom prst="rect">
             <a:avLst/>
@@ -8492,7 +8493,7 @@
         <p:spPr>
           <a:xfrm>
             <a:off x="388080" y="1489680"/>
-            <a:ext cx="8367120" cy="3078000"/>
+            <a:ext cx="8366760" cy="3077640"/>
           </a:xfrm>
           <a:prstGeom prst="rect">
             <a:avLst/>
@@ -8522,7 +8523,7 @@
         <p:spPr>
           <a:xfrm>
             <a:off x="462960" y="1489680"/>
-            <a:ext cx="4951800" cy="3275640"/>
+            <a:ext cx="4951440" cy="3275280"/>
           </a:xfrm>
           <a:prstGeom prst="rect">
             <a:avLst/>
@@ -8571,7 +8572,7 @@
         <p:spPr>
           <a:xfrm>
             <a:off x="388080" y="457920"/>
-            <a:ext cx="8367120" cy="685080"/>
+            <a:ext cx="8366760" cy="684720"/>
           </a:xfrm>
           <a:prstGeom prst="rect">
             <a:avLst/>
@@ -8635,7 +8636,7 @@
         <p:spPr>
           <a:xfrm>
             <a:off x="388080" y="1489680"/>
-            <a:ext cx="8367120" cy="3078000"/>
+            <a:ext cx="8366760" cy="3077640"/>
           </a:xfrm>
           <a:prstGeom prst="rect">
             <a:avLst/>
@@ -8959,7 +8960,7 @@
         <p:spPr>
           <a:xfrm>
             <a:off x="388080" y="457920"/>
-            <a:ext cx="8367120" cy="685080"/>
+            <a:ext cx="8366760" cy="684720"/>
           </a:xfrm>
           <a:prstGeom prst="rect">
             <a:avLst/>
@@ -9013,7 +9014,7 @@
         <p:spPr>
           <a:xfrm>
             <a:off x="388080" y="1489680"/>
-            <a:ext cx="8367120" cy="3078000"/>
+            <a:ext cx="8366760" cy="3077640"/>
           </a:xfrm>
           <a:prstGeom prst="rect">
             <a:avLst/>
@@ -9031,7 +9032,7 @@
         </p:style>
         <p:txBody>
           <a:bodyPr lIns="90000" rIns="90000" tIns="91440" bIns="91440">
-            <a:normAutofit fontScale="70000"/>
+            <a:normAutofit/>
           </a:bodyPr>
           <a:p>
             <a:pPr>
@@ -9221,106 +9222,7 @@
                 <a:latin typeface="Roboto"/>
                 <a:ea typeface="Roboto"/>
               </a:rPr>
-              <a:t>summarise(</a:t>
-            </a:r>
-            <a:endParaRPr b="0" lang="en-MY" sz="1800" spc="-1" strike="noStrike">
-              <a:latin typeface="Arial"/>
-            </a:endParaRPr>
-          </a:p>
-          <a:p>
-            <a:pPr>
-              <a:lnSpc>
-                <a:spcPct val="115000"/>
-              </a:lnSpc>
-              <a:tabLst>
-                <a:tab algn="l" pos="0"/>
-              </a:tabLst>
-            </a:pPr>
-            <a:r>
-              <a:rPr b="0" lang="en-GB" sz="1800" spc="-1" strike="noStrike">
-                <a:solidFill>
-                  <a:srgbClr val="ffffff"/>
-                </a:solidFill>
-                <a:latin typeface="Roboto"/>
-                <a:ea typeface="Roboto"/>
-              </a:rPr>
-              <a:t>    </a:t>
-            </a:r>
-            <a:r>
-              <a:rPr b="0" lang="en-GB" sz="1800" spc="-1" strike="noStrike">
-                <a:solidFill>
-                  <a:srgbClr val="ffffff"/>
-                </a:solidFill>
-                <a:latin typeface="Roboto"/>
-                <a:ea typeface="Roboto"/>
-              </a:rPr>
-              <a:t>n = n(),</a:t>
-            </a:r>
-            <a:endParaRPr b="0" lang="en-MY" sz="1800" spc="-1" strike="noStrike">
-              <a:latin typeface="Arial"/>
-            </a:endParaRPr>
-          </a:p>
-          <a:p>
-            <a:pPr>
-              <a:lnSpc>
-                <a:spcPct val="115000"/>
-              </a:lnSpc>
-              <a:tabLst>
-                <a:tab algn="l" pos="0"/>
-              </a:tabLst>
-            </a:pPr>
-            <a:r>
-              <a:rPr b="0" lang="en-GB" sz="1800" spc="-1" strike="noStrike">
-                <a:solidFill>
-                  <a:srgbClr val="ffffff"/>
-                </a:solidFill>
-                <a:latin typeface="Roboto"/>
-                <a:ea typeface="Roboto"/>
-              </a:rPr>
-              <a:t>    </a:t>
-            </a:r>
-            <a:r>
-              <a:rPr b="0" lang="en-GB" sz="1800" spc="-1" strike="noStrike">
-                <a:solidFill>
-                  <a:srgbClr val="ffffff"/>
-                </a:solidFill>
-                <a:latin typeface="Roboto"/>
-                <a:ea typeface="Roboto"/>
-              </a:rPr>
-              <a:t>mass = mean(mass, na.rm = TRUE)</a:t>
-            </a:r>
-            <a:endParaRPr b="0" lang="en-MY" sz="1800" spc="-1" strike="noStrike">
-              <a:latin typeface="Arial"/>
-            </a:endParaRPr>
-          </a:p>
-          <a:p>
-            <a:pPr>
-              <a:lnSpc>
-                <a:spcPct val="115000"/>
-              </a:lnSpc>
-              <a:tabLst>
-                <a:tab algn="l" pos="0"/>
-              </a:tabLst>
-            </a:pPr>
-            <a:r>
-              <a:rPr b="0" lang="en-GB" sz="1800" spc="-1" strike="noStrike">
-                <a:solidFill>
-                  <a:srgbClr val="ffffff"/>
-                </a:solidFill>
-                <a:latin typeface="Roboto"/>
-                <a:ea typeface="Roboto"/>
-              </a:rPr>
-              <a:t>  </a:t>
-            </a:r>
-            <a:r>
-              <a:rPr b="0" lang="en-GB" sz="1800" spc="-1" strike="noStrike">
-                <a:solidFill>
-                  <a:srgbClr val="ffffff"/>
-                </a:solidFill>
-                <a:latin typeface="Roboto"/>
-                <a:ea typeface="Roboto"/>
-              </a:rPr>
-              <a:t>) %&gt;%</a:t>
+              <a:t>summarise(n = n(),mass = mean(mass, na.rm = TRUE)) %&gt;%</a:t>
             </a:r>
             <a:endParaRPr b="0" lang="en-MY" sz="1800" spc="-1" strike="noStrike">
               <a:latin typeface="Arial"/>
@@ -9452,7 +9354,7 @@
         <p:spPr>
           <a:xfrm>
             <a:off x="388080" y="457920"/>
-            <a:ext cx="8367120" cy="685080"/>
+            <a:ext cx="8366760" cy="684720"/>
           </a:xfrm>
           <a:prstGeom prst="rect">
             <a:avLst/>
@@ -9506,7 +9408,7 @@
         <p:spPr>
           <a:xfrm>
             <a:off x="388080" y="1489680"/>
-            <a:ext cx="8367120" cy="3078000"/>
+            <a:ext cx="8366760" cy="3077640"/>
           </a:xfrm>
           <a:prstGeom prst="rect">
             <a:avLst/>
@@ -9562,7 +9464,7 @@
         <p:spPr>
           <a:xfrm>
             <a:off x="388080" y="457920"/>
-            <a:ext cx="8367120" cy="685080"/>
+            <a:ext cx="8366760" cy="684720"/>
           </a:xfrm>
           <a:prstGeom prst="rect">
             <a:avLst/>
@@ -9616,7 +9518,7 @@
         <p:spPr>
           <a:xfrm>
             <a:off x="388080" y="1489680"/>
-            <a:ext cx="8367120" cy="3078000"/>
+            <a:ext cx="8366760" cy="3077640"/>
           </a:xfrm>
           <a:prstGeom prst="rect">
             <a:avLst/>
@@ -9637,7 +9539,7 @@
             <a:normAutofit/>
           </a:bodyPr>
           <a:p>
-            <a:pPr marL="457200" indent="-360720">
+            <a:pPr marL="457200" indent="-360360">
               <a:lnSpc>
                 <a:spcPct val="115000"/>
               </a:lnSpc>
@@ -9662,7 +9564,7 @@
             </a:endParaRPr>
           </a:p>
           <a:p>
-            <a:pPr marL="457200" indent="-360720">
+            <a:pPr marL="457200" indent="-360360">
               <a:lnSpc>
                 <a:spcPct val="115000"/>
               </a:lnSpc>
@@ -9687,7 +9589,7 @@
             </a:endParaRPr>
           </a:p>
           <a:p>
-            <a:pPr marL="457200" indent="-360720">
+            <a:pPr marL="457200" indent="-360360">
               <a:lnSpc>
                 <a:spcPct val="115000"/>
               </a:lnSpc>
@@ -9712,7 +9614,7 @@
             </a:endParaRPr>
           </a:p>
           <a:p>
-            <a:pPr marL="457200" indent="-360720">
+            <a:pPr marL="457200" indent="-360360">
               <a:lnSpc>
                 <a:spcPct val="115000"/>
               </a:lnSpc>
@@ -9777,7 +9679,7 @@
         <p:spPr>
           <a:xfrm>
             <a:off x="388080" y="457920"/>
-            <a:ext cx="8367120" cy="685080"/>
+            <a:ext cx="8366760" cy="684720"/>
           </a:xfrm>
           <a:prstGeom prst="rect">
             <a:avLst/>
@@ -9814,7 +9716,7 @@
                 <a:latin typeface="Roboto Slab"/>
                 <a:ea typeface="Roboto Slab"/>
               </a:rPr>
-              <a:t>Some Examples of Data transformation / Manipulation</a:t>
+              <a:t>Some Examples of Data Transformation / Manipulation</a:t>
             </a:r>
             <a:endParaRPr b="0" lang="en-MY" sz="3000" spc="-1" strike="noStrike">
               <a:latin typeface="Arial"/>
@@ -9831,7 +9733,7 @@
         <p:spPr>
           <a:xfrm>
             <a:off x="388080" y="1489680"/>
-            <a:ext cx="8367120" cy="3078000"/>
+            <a:ext cx="8366760" cy="3077640"/>
           </a:xfrm>
           <a:prstGeom prst="rect">
             <a:avLst/>
@@ -9852,7 +9754,7 @@
             <a:normAutofit/>
           </a:bodyPr>
           <a:p>
-            <a:pPr marL="457200" indent="-360720">
+            <a:pPr marL="457200" indent="-360360">
               <a:lnSpc>
                 <a:spcPct val="115000"/>
               </a:lnSpc>
@@ -9877,7 +9779,7 @@
             </a:endParaRPr>
           </a:p>
           <a:p>
-            <a:pPr marL="457200" indent="-360720">
+            <a:pPr marL="457200" indent="-360360">
               <a:lnSpc>
                 <a:spcPct val="115000"/>
               </a:lnSpc>
@@ -9902,7 +9804,7 @@
             </a:endParaRPr>
           </a:p>
           <a:p>
-            <a:pPr marL="457200" indent="-360720">
+            <a:pPr marL="457200" indent="-360360">
               <a:lnSpc>
                 <a:spcPct val="115000"/>
               </a:lnSpc>
@@ -9920,14 +9822,14 @@
                 <a:latin typeface="Roboto"/>
                 <a:ea typeface="Roboto"/>
               </a:rPr>
-              <a:t>Handle missing data </a:t>
+              <a:t>Handle missing data (locf, nocb)</a:t>
             </a:r>
             <a:endParaRPr b="0" lang="en-MY" sz="2100" spc="-1" strike="noStrike">
               <a:latin typeface="Arial"/>
             </a:endParaRPr>
           </a:p>
           <a:p>
-            <a:pPr marL="457200" indent="-360720">
+            <a:pPr marL="457200" indent="-360360">
               <a:lnSpc>
                 <a:spcPct val="115000"/>
               </a:lnSpc>
@@ -9952,7 +9854,7 @@
             </a:endParaRPr>
           </a:p>
           <a:p>
-            <a:pPr marL="457200" indent="-360720">
+            <a:pPr marL="457200" indent="-360360">
               <a:lnSpc>
                 <a:spcPct val="115000"/>
               </a:lnSpc>
@@ -9977,7 +9879,7 @@
             </a:endParaRPr>
           </a:p>
           <a:p>
-            <a:pPr marL="457200" indent="-360720">
+            <a:pPr marL="457200" indent="-360360">
               <a:lnSpc>
                 <a:spcPct val="115000"/>
               </a:lnSpc>
@@ -9995,7 +9897,7 @@
                 <a:latin typeface="Roboto"/>
                 <a:ea typeface="Roboto"/>
               </a:rPr>
-              <a:t>Convert timestamps </a:t>
+              <a:t>Convert timestamps (PosIXT) </a:t>
             </a:r>
             <a:endParaRPr b="0" lang="en-MY" sz="2100" spc="-1" strike="noStrike">
               <a:latin typeface="Arial"/>
@@ -10042,7 +9944,7 @@
         <p:spPr>
           <a:xfrm>
             <a:off x="388080" y="457920"/>
-            <a:ext cx="8367120" cy="685080"/>
+            <a:ext cx="8366760" cy="684720"/>
           </a:xfrm>
           <a:prstGeom prst="rect">
             <a:avLst/>
@@ -10096,7 +9998,7 @@
         <p:spPr>
           <a:xfrm>
             <a:off x="388080" y="1489680"/>
-            <a:ext cx="8367120" cy="3078000"/>
+            <a:ext cx="8366760" cy="3077640"/>
           </a:xfrm>
           <a:prstGeom prst="rect">
             <a:avLst/>
@@ -10117,7 +10019,7 @@
             <a:noAutofit/>
           </a:bodyPr>
           <a:p>
-            <a:pPr marL="457200" indent="-367200">
+            <a:pPr marL="457200" indent="-366840">
               <a:lnSpc>
                 <a:spcPct val="115000"/>
               </a:lnSpc>
@@ -10142,7 +10044,7 @@
             </a:endParaRPr>
           </a:p>
           <a:p>
-            <a:pPr marL="457200" indent="-367200">
+            <a:pPr marL="457200" indent="-366840">
               <a:lnSpc>
                 <a:spcPct val="115000"/>
               </a:lnSpc>
@@ -10167,7 +10069,7 @@
             </a:endParaRPr>
           </a:p>
           <a:p>
-            <a:pPr marL="457200" indent="-367200">
+            <a:pPr marL="457200" indent="-366840">
               <a:lnSpc>
                 <a:spcPct val="115000"/>
               </a:lnSpc>
@@ -10192,7 +10094,7 @@
             </a:endParaRPr>
           </a:p>
           <a:p>
-            <a:pPr marL="457200" indent="-367200">
+            <a:pPr marL="457200" indent="-366840">
               <a:lnSpc>
                 <a:spcPct val="115000"/>
               </a:lnSpc>
@@ -10217,7 +10119,7 @@
             </a:endParaRPr>
           </a:p>
           <a:p>
-            <a:pPr lvl="1" marL="914400" indent="-342000">
+            <a:pPr lvl="1" marL="914400" indent="-341640">
               <a:lnSpc>
                 <a:spcPct val="115000"/>
               </a:lnSpc>
@@ -10242,7 +10144,7 @@
             </a:endParaRPr>
           </a:p>
           <a:p>
-            <a:pPr marL="457200" indent="-342000">
+            <a:pPr marL="457200" indent="-341640">
               <a:lnSpc>
                 <a:spcPct val="115000"/>
               </a:lnSpc>
@@ -10267,7 +10169,7 @@
             </a:endParaRPr>
           </a:p>
           <a:p>
-            <a:pPr lvl="1" marL="914400" indent="-342000">
+            <a:pPr lvl="1" marL="914400" indent="-341640">
               <a:lnSpc>
                 <a:spcPct val="115000"/>
               </a:lnSpc>
@@ -10332,7 +10234,7 @@
         <p:spPr>
           <a:xfrm>
             <a:off x="388080" y="457920"/>
-            <a:ext cx="8367120" cy="685080"/>
+            <a:ext cx="8366760" cy="684720"/>
           </a:xfrm>
           <a:prstGeom prst="rect">
             <a:avLst/>
@@ -10386,7 +10288,7 @@
         <p:spPr>
           <a:xfrm>
             <a:off x="388080" y="1489680"/>
-            <a:ext cx="8367120" cy="3078000"/>
+            <a:ext cx="8366760" cy="3077640"/>
           </a:xfrm>
           <a:prstGeom prst="rect">
             <a:avLst/>
@@ -10416,7 +10318,7 @@
         <p:spPr>
           <a:xfrm>
             <a:off x="1440000" y="1504440"/>
-            <a:ext cx="4887720" cy="3063240"/>
+            <a:ext cx="4887360" cy="3062880"/>
           </a:xfrm>
           <a:prstGeom prst="rect">
             <a:avLst/>
@@ -10465,7 +10367,7 @@
         <p:spPr>
           <a:xfrm>
             <a:off x="388080" y="457920"/>
-            <a:ext cx="8367120" cy="685080"/>
+            <a:ext cx="8366760" cy="684720"/>
           </a:xfrm>
           <a:prstGeom prst="rect">
             <a:avLst/>
@@ -10519,7 +10421,7 @@
         <p:spPr>
           <a:xfrm>
             <a:off x="388080" y="1489680"/>
-            <a:ext cx="8367120" cy="3078000"/>
+            <a:ext cx="8366760" cy="3077640"/>
           </a:xfrm>
           <a:prstGeom prst="rect">
             <a:avLst/>
@@ -10539,13 +10441,13 @@
       <p:sp>
         <p:nvSpPr>
           <p:cNvPr id="177" name=""/>
-          <p:cNvSpPr txBox="1"/>
+          <p:cNvSpPr/>
           <p:nvPr/>
         </p:nvSpPr>
         <p:spPr>
           <a:xfrm>
             <a:off x="388080" y="1585800"/>
-            <a:ext cx="7431840" cy="2914200"/>
+            <a:ext cx="7431480" cy="2913840"/>
           </a:xfrm>
           <a:prstGeom prst="rect">
             <a:avLst/>
@@ -10555,11 +10457,54 @@
             <a:noFill/>
           </a:ln>
         </p:spPr>
+        <p:style>
+          <a:lnRef idx="0"/>
+          <a:fillRef idx="0"/>
+          <a:effectRef idx="0"/>
+          <a:fontRef idx="minor"/>
+        </p:style>
         <p:txBody>
           <a:bodyPr lIns="90000" rIns="90000" tIns="45000" bIns="45000">
             <a:noAutofit/>
           </a:bodyPr>
           <a:p>
+            <a:pPr>
+              <a:lnSpc>
+                <a:spcPct val="100000"/>
+              </a:lnSpc>
+            </a:pPr>
+            <a:r>
+              <a:rPr b="0" lang="en-GB" sz="1800" spc="-1" strike="noStrike" u="sng">
+                <a:solidFill>
+                  <a:srgbClr val="8bc34a"/>
+                </a:solidFill>
+                <a:uFillTx/>
+                <a:latin typeface="Roboto"/>
+                <a:ea typeface="Roboto"/>
+                <a:hlinkClick r:id="rId1"/>
+              </a:rPr>
+              <a:t>https://googlesheets4.tidyverse.org/</a:t>
+            </a:r>
+            <a:endParaRPr b="0" lang="en-MY" sz="1800" spc="-1" strike="noStrike">
+              <a:latin typeface="Arial"/>
+            </a:endParaRPr>
+          </a:p>
+          <a:p>
+            <a:pPr>
+              <a:lnSpc>
+                <a:spcPct val="100000"/>
+              </a:lnSpc>
+            </a:pPr>
+            <a:endParaRPr b="0" lang="en-MY" sz="1800" spc="-1" strike="noStrike">
+              <a:latin typeface="Arial"/>
+            </a:endParaRPr>
+          </a:p>
+          <a:p>
+            <a:pPr>
+              <a:lnSpc>
+                <a:spcPct val="100000"/>
+              </a:lnSpc>
+            </a:pPr>
             <a:r>
               <a:rPr b="0" lang="en-GB" sz="1800" spc="-1" strike="noStrike">
                 <a:solidFill>
@@ -10567,20 +10512,29 @@
                 </a:solidFill>
                 <a:latin typeface="Roboto"/>
                 <a:ea typeface="Roboto"/>
-                <a:hlinkClick r:id="rId1"/>
-              </a:rPr>
-              <a:t>https://googlesheets4.tidyverse.org/</a:t>
+              </a:rPr>
+              <a:t>install.packages("googlesheets4")</a:t>
             </a:r>
             <a:endParaRPr b="0" lang="en-MY" sz="1800" spc="-1" strike="noStrike">
               <a:latin typeface="Arial"/>
             </a:endParaRPr>
           </a:p>
           <a:p>
+            <a:pPr>
+              <a:lnSpc>
+                <a:spcPct val="100000"/>
+              </a:lnSpc>
+            </a:pPr>
             <a:endParaRPr b="0" lang="en-MY" sz="1800" spc="-1" strike="noStrike">
               <a:latin typeface="Arial"/>
             </a:endParaRPr>
           </a:p>
           <a:p>
+            <a:pPr>
+              <a:lnSpc>
+                <a:spcPct val="100000"/>
+              </a:lnSpc>
+            </a:pPr>
             <a:r>
               <a:rPr b="0" lang="en-GB" sz="1800" spc="-1" strike="noStrike">
                 <a:solidFill>
@@ -10589,18 +10543,28 @@
                 <a:latin typeface="Roboto"/>
                 <a:ea typeface="Roboto"/>
               </a:rPr>
-              <a:t>install.packages("googlesheets4")</a:t>
+              <a:t>library(googlesheets4)</a:t>
             </a:r>
             <a:endParaRPr b="0" lang="en-MY" sz="1800" spc="-1" strike="noStrike">
               <a:latin typeface="Arial"/>
             </a:endParaRPr>
           </a:p>
           <a:p>
+            <a:pPr>
+              <a:lnSpc>
+                <a:spcPct val="100000"/>
+              </a:lnSpc>
+            </a:pPr>
             <a:endParaRPr b="0" lang="en-MY" sz="1800" spc="-1" strike="noStrike">
               <a:latin typeface="Arial"/>
             </a:endParaRPr>
           </a:p>
           <a:p>
+            <a:pPr>
+              <a:lnSpc>
+                <a:spcPct val="100000"/>
+              </a:lnSpc>
+            </a:pPr>
             <a:r>
               <a:rPr b="0" lang="en-GB" sz="1800" spc="-1" strike="noStrike">
                 <a:solidFill>
@@ -10609,33 +10573,18 @@
                 <a:latin typeface="Roboto"/>
                 <a:ea typeface="Roboto"/>
               </a:rPr>
-              <a:t>library(googlesheets4)</a:t>
+              <a:t>read_sheet("https://docs.google.com/spreadsheets/d/1U6Cf_qEOhiR9AZqTqS3mbMF3zt2db48ZP5v3rkrAEJY/edit#gid=780868077")</a:t>
             </a:r>
             <a:endParaRPr b="0" lang="en-MY" sz="1800" spc="-1" strike="noStrike">
               <a:latin typeface="Arial"/>
             </a:endParaRPr>
           </a:p>
           <a:p>
-            <a:endParaRPr b="0" lang="en-MY" sz="1800" spc="-1" strike="noStrike">
-              <a:latin typeface="Arial"/>
-            </a:endParaRPr>
-          </a:p>
-          <a:p>
-            <a:r>
-              <a:rPr b="0" lang="en-GB" sz="1800" spc="-1" strike="noStrike">
-                <a:solidFill>
-                  <a:srgbClr val="ffffff"/>
-                </a:solidFill>
-                <a:latin typeface="Roboto"/>
-                <a:ea typeface="Roboto"/>
-              </a:rPr>
-              <a:t>read_sheet("https://docs.google.com/spreadsheets/d/1U6Cf_qEOhiR9AZqTqS3mbMF3zt2db48ZP5v3rkrAEJY/edit#gid=780868077")</a:t>
-            </a:r>
-            <a:endParaRPr b="0" lang="en-MY" sz="1800" spc="-1" strike="noStrike">
-              <a:latin typeface="Arial"/>
-            </a:endParaRPr>
-          </a:p>
-          <a:p>
+            <a:pPr>
+              <a:lnSpc>
+                <a:spcPct val="100000"/>
+              </a:lnSpc>
+            </a:pPr>
             <a:endParaRPr b="0" lang="en-MY" sz="1800" spc="-1" strike="noStrike">
               <a:latin typeface="Arial"/>
             </a:endParaRPr>
@@ -10681,7 +10630,7 @@
         <p:spPr>
           <a:xfrm>
             <a:off x="388080" y="457920"/>
-            <a:ext cx="8367120" cy="685080"/>
+            <a:ext cx="8366760" cy="684720"/>
           </a:xfrm>
           <a:prstGeom prst="rect">
             <a:avLst/>
@@ -10735,7 +10684,7 @@
         <p:spPr>
           <a:xfrm>
             <a:off x="388080" y="1489680"/>
-            <a:ext cx="8367120" cy="3078000"/>
+            <a:ext cx="8366760" cy="3077640"/>
           </a:xfrm>
           <a:prstGeom prst="rect">
             <a:avLst/>
@@ -10765,7 +10714,7 @@
         <p:spPr>
           <a:xfrm>
             <a:off x="207720" y="1489680"/>
-            <a:ext cx="3964680" cy="2564280"/>
+            <a:ext cx="3964320" cy="2563920"/>
           </a:xfrm>
           <a:prstGeom prst="rect">
             <a:avLst/>
@@ -10784,7 +10733,7 @@
         <p:spPr>
           <a:xfrm>
             <a:off x="4288320" y="2358000"/>
-            <a:ext cx="1164960" cy="581760"/>
+            <a:ext cx="1164600" cy="581400"/>
           </a:xfrm>
           <a:prstGeom prst="rightArrow">
             <a:avLst>
@@ -10822,7 +10771,7 @@
         <p:spPr>
           <a:xfrm>
             <a:off x="5819760" y="457920"/>
-            <a:ext cx="3047760" cy="4064040"/>
+            <a:ext cx="3047400" cy="4063680"/>
           </a:xfrm>
           <a:prstGeom prst="rect">
             <a:avLst/>
@@ -10871,7 +10820,7 @@
         <p:spPr>
           <a:xfrm>
             <a:off x="388080" y="457920"/>
-            <a:ext cx="8367120" cy="685080"/>
+            <a:ext cx="8366760" cy="684720"/>
           </a:xfrm>
           <a:prstGeom prst="rect">
             <a:avLst/>
@@ -10925,7 +10874,7 @@
         <p:spPr>
           <a:xfrm>
             <a:off x="388080" y="1489680"/>
-            <a:ext cx="8367120" cy="3078000"/>
+            <a:ext cx="8366760" cy="3077640"/>
           </a:xfrm>
           <a:prstGeom prst="rect">
             <a:avLst/>
@@ -11032,7 +10981,7 @@
         <p:spPr>
           <a:xfrm>
             <a:off x="4140000" y="2642400"/>
-            <a:ext cx="4905000" cy="2431800"/>
+            <a:ext cx="4904640" cy="2431440"/>
           </a:xfrm>
           <a:prstGeom prst="rect">
             <a:avLst/>
@@ -11081,7 +11030,7 @@
         <p:spPr>
           <a:xfrm>
             <a:off x="388080" y="457920"/>
-            <a:ext cx="8367120" cy="685080"/>
+            <a:ext cx="8366760" cy="684720"/>
           </a:xfrm>
           <a:prstGeom prst="rect">
             <a:avLst/>
@@ -11145,7 +11094,7 @@
         <p:spPr>
           <a:xfrm>
             <a:off x="388080" y="1489680"/>
-            <a:ext cx="8367120" cy="3078000"/>
+            <a:ext cx="8366760" cy="3077640"/>
           </a:xfrm>
           <a:prstGeom prst="rect">
             <a:avLst/>
@@ -11163,7 +11112,7 @@
         </p:style>
         <p:txBody>
           <a:bodyPr lIns="90000" rIns="90000" tIns="91440" bIns="91440">
-            <a:normAutofit fontScale="97000"/>
+            <a:normAutofit fontScale="85000"/>
           </a:bodyPr>
           <a:p>
             <a:pPr>
@@ -11189,7 +11138,7 @@
             </a:endParaRPr>
           </a:p>
           <a:p>
-            <a:pPr marL="457200" indent="-342000">
+            <a:pPr marL="457200" indent="-341640">
               <a:lnSpc>
                 <a:spcPct val="115000"/>
               </a:lnSpc>
@@ -11220,7 +11169,7 @@
             </a:endParaRPr>
           </a:p>
           <a:p>
-            <a:pPr marL="457200" indent="-342000">
+            <a:pPr marL="457200" indent="-341640">
               <a:lnSpc>
                 <a:spcPct val="115000"/>
               </a:lnSpc>
@@ -11248,7 +11197,7 @@
             </a:endParaRPr>
           </a:p>
           <a:p>
-            <a:pPr marL="457200" indent="-342000">
+            <a:pPr marL="457200" indent="-341640">
               <a:lnSpc>
                 <a:spcPct val="115000"/>
               </a:lnSpc>
@@ -11276,7 +11225,7 @@
             </a:endParaRPr>
           </a:p>
           <a:p>
-            <a:pPr marL="457200" indent="-342000">
+            <a:pPr marL="457200" indent="-341640">
               <a:lnSpc>
                 <a:spcPct val="115000"/>
               </a:lnSpc>
@@ -11297,14 +11246,14 @@
                 <a:latin typeface="Roboto"/>
                 <a:ea typeface="Roboto"/>
               </a:rPr>
-              <a:t>summarise() reduces multiple values down to a single summary.</a:t>
+              <a:t>Summarise(), group_by() reduces multiple values down to a single summary.</a:t>
             </a:r>
             <a:endParaRPr b="0" lang="en-MY" sz="1800" spc="-1" strike="noStrike">
               <a:latin typeface="Arial"/>
             </a:endParaRPr>
           </a:p>
           <a:p>
-            <a:pPr marL="457200" indent="-342000">
+            <a:pPr marL="457200" indent="-341640">
               <a:lnSpc>
                 <a:spcPct val="115000"/>
               </a:lnSpc>
@@ -11365,7 +11314,7 @@
         <p:spPr>
           <a:xfrm>
             <a:off x="7671240" y="142560"/>
-            <a:ext cx="1031040" cy="1190880"/>
+            <a:ext cx="1030680" cy="1190520"/>
           </a:xfrm>
           <a:prstGeom prst="rect">
             <a:avLst/>
